--- a/XSS/XSS-workshop.pptx
+++ b/XSS/XSS-workshop.pptx
@@ -6693,8 +6693,8 @@
   <dgm:cxnLst>
     <dgm:cxn modelId="{E831E50C-3818-E34D-A2D2-7BF91A1395FC}" type="presOf" srcId="{EC7D7E6A-591C-4B1E-8C94-640E128B015A}" destId="{93A58514-5D44-4854-B48E-5FC150A06650}" srcOrd="0" destOrd="0" presId="urn:microsoft.com/office/officeart/2018/2/layout/IconVerticalSolidList"/>
     <dgm:cxn modelId="{EE303B2E-9FEA-4A8D-BE3E-897D094C770E}" srcId="{E6453943-B0ED-473B-AD08-9D25462E04CC}" destId="{F7A3ADED-45B2-4290-99C2-802E720DDC38}" srcOrd="0" destOrd="0" parTransId="{FE17B7F1-3947-46EA-AD69-67EF0D446346}" sibTransId="{F5080DCE-A9DE-437E-9DDC-4FA80F0A64FC}"/>
+    <dgm:cxn modelId="{C986D26B-9503-40CE-A097-767EF0ADA982}" srcId="{E6453943-B0ED-473B-AD08-9D25462E04CC}" destId="{A55399FB-557A-4131-9AA8-C79DF05B76B8}" srcOrd="2" destOrd="0" parTransId="{6AAE6DBD-DF12-4F16-8554-F8D00E9AE049}" sibTransId="{006DDE80-28FC-4E5D-AE7A-420369F8AB90}"/>
     <dgm:cxn modelId="{C95D6B4C-352C-4B8A-B718-F0194511AD6D}" srcId="{E6453943-B0ED-473B-AD08-9D25462E04CC}" destId="{EC7D7E6A-591C-4B1E-8C94-640E128B015A}" srcOrd="1" destOrd="0" parTransId="{A1F845D1-D318-4ADA-A93C-4ABAB5493987}" sibTransId="{CFB22BE2-351B-476B-BC6D-1A1F66230943}"/>
-    <dgm:cxn modelId="{C986D26B-9503-40CE-A097-767EF0ADA982}" srcId="{E6453943-B0ED-473B-AD08-9D25462E04CC}" destId="{A55399FB-557A-4131-9AA8-C79DF05B76B8}" srcOrd="2" destOrd="0" parTransId="{6AAE6DBD-DF12-4F16-8554-F8D00E9AE049}" sibTransId="{006DDE80-28FC-4E5D-AE7A-420369F8AB90}"/>
     <dgm:cxn modelId="{3484D3B6-F21F-2147-BE77-E9B0B4105B40}" type="presOf" srcId="{E6453943-B0ED-473B-AD08-9D25462E04CC}" destId="{C8787873-07F8-47AC-A40F-A2E043425806}" srcOrd="0" destOrd="0" presId="urn:microsoft.com/office/officeart/2018/2/layout/IconVerticalSolidList"/>
     <dgm:cxn modelId="{178A7FC6-C01B-6442-985E-BAA21D0B76BA}" type="presOf" srcId="{F7A3ADED-45B2-4290-99C2-802E720DDC38}" destId="{F5A38E42-4EC9-48CB-A2C4-044A14EFE3CA}" srcOrd="0" destOrd="0" presId="urn:microsoft.com/office/officeart/2018/2/layout/IconVerticalSolidList"/>
     <dgm:cxn modelId="{B980B6F5-5870-7848-BDD5-9814846891D7}" type="presOf" srcId="{A55399FB-557A-4131-9AA8-C79DF05B76B8}" destId="{2EFE2303-8616-4A76-BDCA-70663B782874}" srcOrd="0" destOrd="0" presId="urn:microsoft.com/office/officeart/2018/2/layout/IconVerticalSolidList"/>
@@ -7307,7 +7307,7 @@
         <a:p>
           <a:r>
             <a:rPr lang="en-US" dirty="0"/>
-            <a:t>No malicious script inserted part of the page; </a:t>
+            <a:t>Website receives request and responds </a:t>
           </a:r>
         </a:p>
       </dgm:t>
@@ -7342,8 +7342,8 @@
         <a:lstStyle/>
         <a:p>
           <a:r>
-            <a:rPr lang="en-US"/>
-            <a:t>Additional HTML is inserted and alter on parsed by the browser </a:t>
+            <a:rPr lang="en-US" dirty="0"/>
+            <a:t>Victim’s browsers parses the response, causing the malicious script to be inserted into the page </a:t>
           </a:r>
         </a:p>
       </dgm:t>
@@ -7370,7 +7370,7 @@
         </a:p>
       </dgm:t>
     </dgm:pt>
-    <dgm:pt modelId="{42E99426-DA1E-4A02-AE20-1DF577DF1862}">
+    <dgm:pt modelId="{B2EE9053-86D4-450C-A1C8-BDDBCADCD011}">
       <dgm:prSet/>
       <dgm:spPr/>
       <dgm:t>
@@ -7378,31 +7378,67 @@
         <a:lstStyle/>
         <a:p>
           <a:r>
-            <a:rPr lang="en-US" dirty="0"/>
-            <a:t>In DOM-based XSS, the malicious JavaScript is executed at some point after the page has loaded, as a result of the page's legitimate JavaScript treating user input in an unsafe way.</a:t>
+            <a:rPr lang="en-AU" dirty="0"/>
+            <a:t>Attacker initiates attack usually through social engineering</a:t>
           </a:r>
         </a:p>
       </dgm:t>
     </dgm:pt>
-    <dgm:pt modelId="{46A90F2E-E8CA-4E2A-8710-AD04D10ED9E9}" type="parTrans" cxnId="{5AC7CBFF-D125-488E-90C3-BCB4DB5B0A84}">
+    <dgm:pt modelId="{5857EC4A-0517-4AF3-81C9-1D1D78B52144}" type="parTrans" cxnId="{E6546EC2-F6DB-402C-B842-004DF277EFE6}">
       <dgm:prSet/>
       <dgm:spPr/>
       <dgm:t>
         <a:bodyPr/>
         <a:lstStyle/>
         <a:p>
-          <a:endParaRPr lang="en-US"/>
+          <a:endParaRPr lang="en-AU"/>
         </a:p>
       </dgm:t>
     </dgm:pt>
-    <dgm:pt modelId="{62CAAF23-3459-49E1-AF2C-D90648A8DD1C}" type="sibTrans" cxnId="{5AC7CBFF-D125-488E-90C3-BCB4DB5B0A84}">
+    <dgm:pt modelId="{CC9F8007-FDBA-4971-9735-4C5AFB8A4F14}" type="sibTrans" cxnId="{E6546EC2-F6DB-402C-B842-004DF277EFE6}">
       <dgm:prSet/>
       <dgm:spPr/>
       <dgm:t>
         <a:bodyPr/>
         <a:lstStyle/>
         <a:p>
-          <a:endParaRPr lang="en-US"/>
+          <a:endParaRPr lang="en-AU"/>
+        </a:p>
+      </dgm:t>
+    </dgm:pt>
+    <dgm:pt modelId="{D27A8973-482F-4B60-A8D3-A1DF67F69690}">
+      <dgm:prSet/>
+      <dgm:spPr/>
+      <dgm:t>
+        <a:bodyPr/>
+        <a:lstStyle/>
+        <a:p>
+          <a:r>
+            <a:rPr lang="en-AU" dirty="0"/>
+            <a:t>Browser executes the malicious script, sending the victim’s cookies to the attacker’s server </a:t>
+          </a:r>
+        </a:p>
+      </dgm:t>
+    </dgm:pt>
+    <dgm:pt modelId="{06E6DA51-25C9-4D2A-AACA-E31CE306F8D4}" type="parTrans" cxnId="{38B69EF0-CEFD-4D3F-8555-981618C0A513}">
+      <dgm:prSet/>
+      <dgm:spPr/>
+      <dgm:t>
+        <a:bodyPr/>
+        <a:lstStyle/>
+        <a:p>
+          <a:endParaRPr lang="en-AU"/>
+        </a:p>
+      </dgm:t>
+    </dgm:pt>
+    <dgm:pt modelId="{64328EC5-DBB4-40EF-B071-F8A1965EF5C6}" type="sibTrans" cxnId="{38B69EF0-CEFD-4D3F-8555-981618C0A513}">
+      <dgm:prSet/>
+      <dgm:spPr/>
+      <dgm:t>
+        <a:bodyPr/>
+        <a:lstStyle/>
+        <a:p>
+          <a:endParaRPr lang="en-AU"/>
         </a:p>
       </dgm:t>
     </dgm:pt>
@@ -7416,24 +7452,24 @@
       </dgm:prSet>
       <dgm:spPr/>
     </dgm:pt>
-    <dgm:pt modelId="{708B9654-BA3A-DB4B-9C55-E1C60F3B40A0}" type="pres">
-      <dgm:prSet presAssocID="{42E99426-DA1E-4A02-AE20-1DF577DF1862}" presName="boxAndChildren" presStyleCnt="0"/>
+    <dgm:pt modelId="{AA675D6E-2799-4E1D-9F7F-690E1A112A5C}" type="pres">
+      <dgm:prSet presAssocID="{D27A8973-482F-4B60-A8D3-A1DF67F69690}" presName="boxAndChildren" presStyleCnt="0"/>
       <dgm:spPr/>
     </dgm:pt>
-    <dgm:pt modelId="{B90D622F-4847-5645-A4AF-ECA07DBF00B6}" type="pres">
-      <dgm:prSet presAssocID="{42E99426-DA1E-4A02-AE20-1DF577DF1862}" presName="parentTextBox" presStyleLbl="node1" presStyleIdx="0" presStyleCnt="3"/>
+    <dgm:pt modelId="{7A3E8396-7CB1-4439-B00E-555E49B3BEFE}" type="pres">
+      <dgm:prSet presAssocID="{D27A8973-482F-4B60-A8D3-A1DF67F69690}" presName="parentTextBox" presStyleLbl="node1" presStyleIdx="0" presStyleCnt="4"/>
       <dgm:spPr/>
     </dgm:pt>
-    <dgm:pt modelId="{4D67C6A9-1845-C849-8BC9-567BBE9995D8}" type="pres">
+    <dgm:pt modelId="{5078F822-EEAD-4AE1-8CB6-A0C7AAAE7DF7}" type="pres">
       <dgm:prSet presAssocID="{88BA4E30-E509-4FD3-8C18-6A91B1C04B42}" presName="sp" presStyleCnt="0"/>
       <dgm:spPr/>
     </dgm:pt>
-    <dgm:pt modelId="{56AC476B-B6DD-C249-A0F4-73871745763F}" type="pres">
+    <dgm:pt modelId="{FF8AD8C0-2F7C-4385-878D-30F0F6762FED}" type="pres">
       <dgm:prSet presAssocID="{9A509BC5-B1AC-4313-A9E7-9E9C30E283BA}" presName="arrowAndChildren" presStyleCnt="0"/>
       <dgm:spPr/>
     </dgm:pt>
-    <dgm:pt modelId="{D40AE2B8-058F-104D-94BC-ECD0F194CBAF}" type="pres">
-      <dgm:prSet presAssocID="{9A509BC5-B1AC-4313-A9E7-9E9C30E283BA}" presName="parentTextArrow" presStyleLbl="node1" presStyleIdx="1" presStyleCnt="3"/>
+    <dgm:pt modelId="{D84FC2CC-47E9-4DA0-80ED-60BF8347DBF5}" type="pres">
+      <dgm:prSet presAssocID="{9A509BC5-B1AC-4313-A9E7-9E9C30E283BA}" presName="parentTextArrow" presStyleLbl="node1" presStyleIdx="1" presStyleCnt="4"/>
       <dgm:spPr/>
     </dgm:pt>
     <dgm:pt modelId="{47E8AA02-E442-1444-AC09-58A301AFE336}" type="pres">
@@ -7445,26 +7481,43 @@
       <dgm:spPr/>
     </dgm:pt>
     <dgm:pt modelId="{C8DEDA1D-CF5E-464E-95BE-4C49F28A1603}" type="pres">
-      <dgm:prSet presAssocID="{CAA176E8-4575-4D09-BB3F-A10C87FE8B09}" presName="parentTextArrow" presStyleLbl="node1" presStyleIdx="2" presStyleCnt="3"/>
+      <dgm:prSet presAssocID="{CAA176E8-4575-4D09-BB3F-A10C87FE8B09}" presName="parentTextArrow" presStyleLbl="node1" presStyleIdx="2" presStyleCnt="4" custLinFactNeighborY="-3782"/>
+      <dgm:spPr/>
+    </dgm:pt>
+    <dgm:pt modelId="{BCFB3698-79AA-4D86-B76D-1F08810A6494}" type="pres">
+      <dgm:prSet presAssocID="{CC9F8007-FDBA-4971-9735-4C5AFB8A4F14}" presName="sp" presStyleCnt="0"/>
+      <dgm:spPr/>
+    </dgm:pt>
+    <dgm:pt modelId="{CCA4F61A-ACAA-496A-9167-B2ED00A75FD4}" type="pres">
+      <dgm:prSet presAssocID="{B2EE9053-86D4-450C-A1C8-BDDBCADCD011}" presName="arrowAndChildren" presStyleCnt="0"/>
+      <dgm:spPr/>
+    </dgm:pt>
+    <dgm:pt modelId="{C9B417CE-40EC-441E-86D5-F8B898010A3D}" type="pres">
+      <dgm:prSet presAssocID="{B2EE9053-86D4-450C-A1C8-BDDBCADCD011}" presName="parentTextArrow" presStyleLbl="node1" presStyleIdx="3" presStyleCnt="4" custLinFactNeighborX="-284" custLinFactNeighborY="-8007"/>
       <dgm:spPr/>
     </dgm:pt>
   </dgm:ptLst>
   <dgm:cxnLst>
-    <dgm:cxn modelId="{A316D80A-30F4-9B4C-B283-F1EEB48ADC85}" type="presOf" srcId="{9A509BC5-B1AC-4313-A9E7-9E9C30E283BA}" destId="{D40AE2B8-058F-104D-94BC-ECD0F194CBAF}" srcOrd="0" destOrd="0" presId="urn:microsoft.com/office/officeart/2005/8/layout/process4"/>
-    <dgm:cxn modelId="{27D5F522-BB2E-4696-A487-E0DCDBB1FB57}" srcId="{CBB9E2EA-5293-4ACD-A487-C64CFD74F86E}" destId="{9A509BC5-B1AC-4313-A9E7-9E9C30E283BA}" srcOrd="1" destOrd="0" parTransId="{0F272029-9D25-43AB-B62D-448A801F86E7}" sibTransId="{88BA4E30-E509-4FD3-8C18-6A91B1C04B42}"/>
-    <dgm:cxn modelId="{17158872-DBFC-6141-BE33-F55406A19685}" type="presOf" srcId="{42E99426-DA1E-4A02-AE20-1DF577DF1862}" destId="{B90D622F-4847-5645-A4AF-ECA07DBF00B6}" srcOrd="0" destOrd="0" presId="urn:microsoft.com/office/officeart/2005/8/layout/process4"/>
-    <dgm:cxn modelId="{66B1F98D-5010-438A-832F-28ED3BDB6016}" srcId="{CBB9E2EA-5293-4ACD-A487-C64CFD74F86E}" destId="{CAA176E8-4575-4D09-BB3F-A10C87FE8B09}" srcOrd="0" destOrd="0" parTransId="{1562C30C-6596-4EE2-A8F2-B0085B6EAFC6}" sibTransId="{7850C95D-A688-493E-953B-3FD5C4AA53EB}"/>
+    <dgm:cxn modelId="{27D5F522-BB2E-4696-A487-E0DCDBB1FB57}" srcId="{CBB9E2EA-5293-4ACD-A487-C64CFD74F86E}" destId="{9A509BC5-B1AC-4313-A9E7-9E9C30E283BA}" srcOrd="2" destOrd="0" parTransId="{0F272029-9D25-43AB-B62D-448A801F86E7}" sibTransId="{88BA4E30-E509-4FD3-8C18-6A91B1C04B42}"/>
+    <dgm:cxn modelId="{4BB9C373-3385-48B6-B7E1-09776906E89C}" type="presOf" srcId="{D27A8973-482F-4B60-A8D3-A1DF67F69690}" destId="{7A3E8396-7CB1-4439-B00E-555E49B3BEFE}" srcOrd="0" destOrd="0" presId="urn:microsoft.com/office/officeart/2005/8/layout/process4"/>
+    <dgm:cxn modelId="{66B1F98D-5010-438A-832F-28ED3BDB6016}" srcId="{CBB9E2EA-5293-4ACD-A487-C64CFD74F86E}" destId="{CAA176E8-4575-4D09-BB3F-A10C87FE8B09}" srcOrd="1" destOrd="0" parTransId="{1562C30C-6596-4EE2-A8F2-B0085B6EAFC6}" sibTransId="{7850C95D-A688-493E-953B-3FD5C4AA53EB}"/>
+    <dgm:cxn modelId="{384CAD9E-0EA1-4978-8BAF-9F0DF3B2A1E9}" type="presOf" srcId="{9A509BC5-B1AC-4313-A9E7-9E9C30E283BA}" destId="{D84FC2CC-47E9-4DA0-80ED-60BF8347DBF5}" srcOrd="0" destOrd="0" presId="urn:microsoft.com/office/officeart/2005/8/layout/process4"/>
+    <dgm:cxn modelId="{171391B0-EC2D-4709-9E78-1506193FBF99}" type="presOf" srcId="{B2EE9053-86D4-450C-A1C8-BDDBCADCD011}" destId="{C9B417CE-40EC-441E-86D5-F8B898010A3D}" srcOrd="0" destOrd="0" presId="urn:microsoft.com/office/officeart/2005/8/layout/process4"/>
     <dgm:cxn modelId="{5E64EEC1-C6D5-7E46-8369-6FFB24152849}" type="presOf" srcId="{CAA176E8-4575-4D09-BB3F-A10C87FE8B09}" destId="{C8DEDA1D-CF5E-464E-95BE-4C49F28A1603}" srcOrd="0" destOrd="0" presId="urn:microsoft.com/office/officeart/2005/8/layout/process4"/>
+    <dgm:cxn modelId="{E6546EC2-F6DB-402C-B842-004DF277EFE6}" srcId="{CBB9E2EA-5293-4ACD-A487-C64CFD74F86E}" destId="{B2EE9053-86D4-450C-A1C8-BDDBCADCD011}" srcOrd="0" destOrd="0" parTransId="{5857EC4A-0517-4AF3-81C9-1D1D78B52144}" sibTransId="{CC9F8007-FDBA-4971-9735-4C5AFB8A4F14}"/>
     <dgm:cxn modelId="{798C8ACB-035B-174A-8175-2F454FDB1ABB}" type="presOf" srcId="{CBB9E2EA-5293-4ACD-A487-C64CFD74F86E}" destId="{7A2F7680-D9AF-244D-946E-6CE62A7E0CF1}" srcOrd="0" destOrd="0" presId="urn:microsoft.com/office/officeart/2005/8/layout/process4"/>
-    <dgm:cxn modelId="{5AC7CBFF-D125-488E-90C3-BCB4DB5B0A84}" srcId="{CBB9E2EA-5293-4ACD-A487-C64CFD74F86E}" destId="{42E99426-DA1E-4A02-AE20-1DF577DF1862}" srcOrd="2" destOrd="0" parTransId="{46A90F2E-E8CA-4E2A-8710-AD04D10ED9E9}" sibTransId="{62CAAF23-3459-49E1-AF2C-D90648A8DD1C}"/>
-    <dgm:cxn modelId="{3A54031F-950F-2340-8CC0-F4E6D9A98322}" type="presParOf" srcId="{7A2F7680-D9AF-244D-946E-6CE62A7E0CF1}" destId="{708B9654-BA3A-DB4B-9C55-E1C60F3B40A0}" srcOrd="0" destOrd="0" presId="urn:microsoft.com/office/officeart/2005/8/layout/process4"/>
-    <dgm:cxn modelId="{D2D9E7AF-7E34-484D-B495-6450C653C565}" type="presParOf" srcId="{708B9654-BA3A-DB4B-9C55-E1C60F3B40A0}" destId="{B90D622F-4847-5645-A4AF-ECA07DBF00B6}" srcOrd="0" destOrd="0" presId="urn:microsoft.com/office/officeart/2005/8/layout/process4"/>
-    <dgm:cxn modelId="{06F47555-3E21-834B-A555-0C03F5C18952}" type="presParOf" srcId="{7A2F7680-D9AF-244D-946E-6CE62A7E0CF1}" destId="{4D67C6A9-1845-C849-8BC9-567BBE9995D8}" srcOrd="1" destOrd="0" presId="urn:microsoft.com/office/officeart/2005/8/layout/process4"/>
-    <dgm:cxn modelId="{9FC95387-F12A-4740-986C-D92CDBB1F459}" type="presParOf" srcId="{7A2F7680-D9AF-244D-946E-6CE62A7E0CF1}" destId="{56AC476B-B6DD-C249-A0F4-73871745763F}" srcOrd="2" destOrd="0" presId="urn:microsoft.com/office/officeart/2005/8/layout/process4"/>
-    <dgm:cxn modelId="{A7CACA33-7E46-9A4B-AD97-1ACF9A85EFC6}" type="presParOf" srcId="{56AC476B-B6DD-C249-A0F4-73871745763F}" destId="{D40AE2B8-058F-104D-94BC-ECD0F194CBAF}" srcOrd="0" destOrd="0" presId="urn:microsoft.com/office/officeart/2005/8/layout/process4"/>
+    <dgm:cxn modelId="{38B69EF0-CEFD-4D3F-8555-981618C0A513}" srcId="{CBB9E2EA-5293-4ACD-A487-C64CFD74F86E}" destId="{D27A8973-482F-4B60-A8D3-A1DF67F69690}" srcOrd="3" destOrd="0" parTransId="{06E6DA51-25C9-4D2A-AACA-E31CE306F8D4}" sibTransId="{64328EC5-DBB4-40EF-B071-F8A1965EF5C6}"/>
+    <dgm:cxn modelId="{49656597-7851-4DD3-973F-CF44F8267B72}" type="presParOf" srcId="{7A2F7680-D9AF-244D-946E-6CE62A7E0CF1}" destId="{AA675D6E-2799-4E1D-9F7F-690E1A112A5C}" srcOrd="0" destOrd="0" presId="urn:microsoft.com/office/officeart/2005/8/layout/process4"/>
+    <dgm:cxn modelId="{24AE7774-1FA3-4D20-A8D2-A26677E19B0F}" type="presParOf" srcId="{AA675D6E-2799-4E1D-9F7F-690E1A112A5C}" destId="{7A3E8396-7CB1-4439-B00E-555E49B3BEFE}" srcOrd="0" destOrd="0" presId="urn:microsoft.com/office/officeart/2005/8/layout/process4"/>
+    <dgm:cxn modelId="{7DC0944F-C97F-48D7-9389-06D164E68133}" type="presParOf" srcId="{7A2F7680-D9AF-244D-946E-6CE62A7E0CF1}" destId="{5078F822-EEAD-4AE1-8CB6-A0C7AAAE7DF7}" srcOrd="1" destOrd="0" presId="urn:microsoft.com/office/officeart/2005/8/layout/process4"/>
+    <dgm:cxn modelId="{13A6C392-69F7-435C-81B4-27D588E2D1F3}" type="presParOf" srcId="{7A2F7680-D9AF-244D-946E-6CE62A7E0CF1}" destId="{FF8AD8C0-2F7C-4385-878D-30F0F6762FED}" srcOrd="2" destOrd="0" presId="urn:microsoft.com/office/officeart/2005/8/layout/process4"/>
+    <dgm:cxn modelId="{0E755D7E-9585-4E86-817E-1CFBC775D5B4}" type="presParOf" srcId="{FF8AD8C0-2F7C-4385-878D-30F0F6762FED}" destId="{D84FC2CC-47E9-4DA0-80ED-60BF8347DBF5}" srcOrd="0" destOrd="0" presId="urn:microsoft.com/office/officeart/2005/8/layout/process4"/>
     <dgm:cxn modelId="{A4B6D218-C510-F34F-A883-4A1FA94507EC}" type="presParOf" srcId="{7A2F7680-D9AF-244D-946E-6CE62A7E0CF1}" destId="{47E8AA02-E442-1444-AC09-58A301AFE336}" srcOrd="3" destOrd="0" presId="urn:microsoft.com/office/officeart/2005/8/layout/process4"/>
     <dgm:cxn modelId="{110DB9E1-4BD8-BC4E-AD8A-7FD3DA65F1A5}" type="presParOf" srcId="{7A2F7680-D9AF-244D-946E-6CE62A7E0CF1}" destId="{8CA20BAC-387F-DF42-9ABE-4502AA6675AC}" srcOrd="4" destOrd="0" presId="urn:microsoft.com/office/officeart/2005/8/layout/process4"/>
     <dgm:cxn modelId="{C280D6FA-8FEB-9245-98C1-ED9159587229}" type="presParOf" srcId="{8CA20BAC-387F-DF42-9ABE-4502AA6675AC}" destId="{C8DEDA1D-CF5E-464E-95BE-4C49F28A1603}" srcOrd="0" destOrd="0" presId="urn:microsoft.com/office/officeart/2005/8/layout/process4"/>
+    <dgm:cxn modelId="{654CB5D6-CB30-42E7-945B-E3072342AC60}" type="presParOf" srcId="{7A2F7680-D9AF-244D-946E-6CE62A7E0CF1}" destId="{BCFB3698-79AA-4D86-B76D-1F08810A6494}" srcOrd="5" destOrd="0" presId="urn:microsoft.com/office/officeart/2005/8/layout/process4"/>
+    <dgm:cxn modelId="{C5E42E32-1555-428A-A02A-09942988FC23}" type="presParOf" srcId="{7A2F7680-D9AF-244D-946E-6CE62A7E0CF1}" destId="{CCA4F61A-ACAA-496A-9167-B2ED00A75FD4}" srcOrd="6" destOrd="0" presId="urn:microsoft.com/office/officeart/2005/8/layout/process4"/>
+    <dgm:cxn modelId="{FB848C33-B680-403C-B35D-D119D8EEAF1B}" type="presParOf" srcId="{CCA4F61A-ACAA-496A-9167-B2ED00A75FD4}" destId="{C9B417CE-40EC-441E-86D5-F8B898010A3D}" srcOrd="0" destOrd="0" presId="urn:microsoft.com/office/officeart/2005/8/layout/process4"/>
   </dgm:cxnLst>
   <dgm:bg/>
   <dgm:whole/>
@@ -7740,11 +7793,24 @@
           </a:br>
           <a:r>
             <a:rPr lang="en-US" dirty="0">
-              <a:hlinkClick xmlns:r="http://schemas.openxmlformats.org/officeDocument/2006/relationships" r:id="rId1"/>
+              <a:solidFill>
+                <a:schemeClr val="accent2"/>
+              </a:solidFill>
+              <a:hlinkClick xmlns:r="http://schemas.openxmlformats.org/officeDocument/2006/relationships" r:id="rId1">
+                <a:extLst>
+                  <a:ext uri="{A12FA001-AC4F-418D-AE19-62706E023703}">
+                    <ahyp:hlinkClr xmlns:ahyp="http://schemas.microsoft.com/office/drawing/2018/hyperlinkcolor" val="tx"/>
+                  </a:ext>
+                </a:extLst>
+              </a:hlinkClick>
             </a:rPr>
             <a:t>https://xss-game.appspot.com/</a:t>
           </a:r>
-          <a:endParaRPr lang="en-US" dirty="0"/>
+          <a:endParaRPr lang="en-US" dirty="0">
+            <a:solidFill>
+              <a:schemeClr val="accent2"/>
+            </a:solidFill>
+          </a:endParaRPr>
         </a:p>
       </dgm:t>
     </dgm:pt>
@@ -7778,19 +7844,32 @@
         <a:lstStyle/>
         <a:p>
           <a:r>
-            <a:rPr lang="en-US"/>
+            <a:rPr lang="en-US" dirty="0"/>
             <a:t>Helpful starting XSS &amp; JavaScript starter guide: </a:t>
           </a:r>
           <a:br>
-            <a:rPr lang="en-US"/>
+            <a:rPr lang="en-US" dirty="0"/>
           </a:br>
           <a:r>
-            <a:rPr lang="en-US">
-              <a:hlinkClick xmlns:r="http://schemas.openxmlformats.org/officeDocument/2006/relationships" r:id="rId2"/>
+            <a:rPr lang="en-US" dirty="0">
+              <a:solidFill>
+                <a:schemeClr val="accent2"/>
+              </a:solidFill>
+              <a:hlinkClick xmlns:r="http://schemas.openxmlformats.org/officeDocument/2006/relationships" r:id="rId2">
+                <a:extLst>
+                  <a:ext uri="{A12FA001-AC4F-418D-AE19-62706E023703}">
+                    <ahyp:hlinkClr xmlns:ahyp="http://schemas.microsoft.com/office/drawing/2018/hyperlinkcolor" val="tx"/>
+                  </a:ext>
+                </a:extLst>
+              </a:hlinkClick>
             </a:rPr>
             <a:t>http://securityidiots.com/Web-Pentest/XSS/xss.series-by-securityidiots.html</a:t>
           </a:r>
-          <a:endParaRPr lang="en-US"/>
+          <a:endParaRPr lang="en-US" dirty="0">
+            <a:solidFill>
+              <a:schemeClr val="accent2"/>
+            </a:solidFill>
+          </a:endParaRPr>
         </a:p>
       </dgm:t>
     </dgm:pt>
@@ -7824,13 +7903,32 @@
         <a:lstStyle/>
         <a:p>
           <a:r>
-            <a:rPr lang="en-US"/>
+            <a:rPr lang="en-US" dirty="0"/>
             <a:t>Workshop slides and more resources: </a:t>
           </a:r>
           <a:br>
-            <a:rPr lang="en-US"/>
+            <a:rPr lang="en-US" dirty="0"/>
           </a:br>
-          <a:endParaRPr lang="en-US"/>
+          <a:r>
+            <a:rPr lang="en-AU" u="sng" dirty="0">
+              <a:solidFill>
+                <a:schemeClr val="accent2"/>
+              </a:solidFill>
+              <a:hlinkClick xmlns:r="http://schemas.openxmlformats.org/officeDocument/2006/relationships" r:id="rId3">
+                <a:extLst>
+                  <a:ext uri="{A12FA001-AC4F-418D-AE19-62706E023703}">
+                    <ahyp:hlinkClr xmlns:ahyp="http://schemas.microsoft.com/office/drawing/2018/hyperlinkcolor" val="tx"/>
+                  </a:ext>
+                </a:extLst>
+              </a:hlinkClick>
+            </a:rPr>
+            <a:t>https://github.com/umisc/workshops/tree/master/XSS</a:t>
+          </a:r>
+          <a:endParaRPr lang="en-US" u="sng" dirty="0">
+            <a:solidFill>
+              <a:schemeClr val="accent2"/>
+            </a:solidFill>
+          </a:endParaRPr>
         </a:p>
       </dgm:t>
     </dgm:pt>
@@ -7870,7 +7968,7 @@
       <dgm:spPr/>
     </dgm:pt>
     <dgm:pt modelId="{EF6C50B5-0247-443C-8C6C-CE3F517D71CD}" type="pres">
-      <dgm:prSet presAssocID="{924FB1E1-0CE7-4565-A47E-E3E1B64E5FB6}" presName="bgRect" presStyleLbl="bgShp" presStyleIdx="0" presStyleCnt="3"/>
+      <dgm:prSet presAssocID="{924FB1E1-0CE7-4565-A47E-E3E1B64E5FB6}" presName="bgRect" presStyleLbl="bgShp" presStyleIdx="0" presStyleCnt="3" custLinFactNeighborX="811" custLinFactNeighborY="-43"/>
       <dgm:spPr/>
     </dgm:pt>
     <dgm:pt modelId="{4C66F026-E61B-47BB-AD51-9DF4C718C126}" type="pres">
@@ -7880,13 +7978,13 @@
           <a:avLst/>
         </a:prstGeom>
         <a:blipFill>
-          <a:blip xmlns:r="http://schemas.openxmlformats.org/officeDocument/2006/relationships" r:embed="rId3">
+          <a:blip xmlns:r="http://schemas.openxmlformats.org/officeDocument/2006/relationships" r:embed="rId4">
             <a:extLst>
               <a:ext uri="{28A0092B-C50C-407E-A947-70E740481C1C}">
                 <a14:useLocalDpi xmlns:a14="http://schemas.microsoft.com/office/drawing/2010/main" val="0"/>
               </a:ext>
               <a:ext uri="{96DAC541-7B7A-43D3-8B79-37D633B846F1}">
-                <asvg:svgBlip xmlns:asvg="http://schemas.microsoft.com/office/drawing/2016/SVG/main" r:embed="rId4"/>
+                <asvg:svgBlip xmlns:asvg="http://schemas.microsoft.com/office/drawing/2016/SVG/main" r:embed="rId5"/>
               </a:ext>
             </a:extLst>
           </a:blip>
@@ -7933,13 +8031,13 @@
       <dgm:prSet presAssocID="{79E1C5C2-29F4-41A1-A63B-46891FD80DE3}" presName="iconRect" presStyleLbl="node1" presStyleIdx="1" presStyleCnt="3"/>
       <dgm:spPr>
         <a:blipFill>
-          <a:blip xmlns:r="http://schemas.openxmlformats.org/officeDocument/2006/relationships" r:embed="rId5">
+          <a:blip xmlns:r="http://schemas.openxmlformats.org/officeDocument/2006/relationships" r:embed="rId6">
             <a:extLst>
               <a:ext uri="{28A0092B-C50C-407E-A947-70E740481C1C}">
                 <a14:useLocalDpi xmlns:a14="http://schemas.microsoft.com/office/drawing/2010/main" val="0"/>
               </a:ext>
               <a:ext uri="{96DAC541-7B7A-43D3-8B79-37D633B846F1}">
-                <asvg:svgBlip xmlns:asvg="http://schemas.microsoft.com/office/drawing/2016/SVG/main" r:embed="rId6"/>
+                <asvg:svgBlip xmlns:asvg="http://schemas.microsoft.com/office/drawing/2016/SVG/main" r:embed="rId7"/>
               </a:ext>
             </a:extLst>
           </a:blip>
@@ -7986,13 +8084,13 @@
       <dgm:prSet presAssocID="{B20F7297-8579-4630-815F-BCDCBC0B8D0E}" presName="iconRect" presStyleLbl="node1" presStyleIdx="2" presStyleCnt="3"/>
       <dgm:spPr>
         <a:blipFill>
-          <a:blip xmlns:r="http://schemas.openxmlformats.org/officeDocument/2006/relationships" r:embed="rId7">
+          <a:blip xmlns:r="http://schemas.openxmlformats.org/officeDocument/2006/relationships" r:embed="rId8">
             <a:extLst>
               <a:ext uri="{28A0092B-C50C-407E-A947-70E740481C1C}">
                 <a14:useLocalDpi xmlns:a14="http://schemas.microsoft.com/office/drawing/2010/main" val="0"/>
               </a:ext>
               <a:ext uri="{96DAC541-7B7A-43D3-8B79-37D633B846F1}">
-                <asvg:svgBlip xmlns:asvg="http://schemas.microsoft.com/office/drawing/2016/SVG/main" r:embed="rId8"/>
+                <asvg:svgBlip xmlns:asvg="http://schemas.microsoft.com/office/drawing/2016/SVG/main" r:embed="rId9"/>
               </a:ext>
             </a:extLst>
           </a:blip>
@@ -8027,8 +8125,8 @@
   <dgm:cxnLst>
     <dgm:cxn modelId="{EBA98219-BD2F-49D0-9CBD-F3983C402EF9}" type="presOf" srcId="{79E1C5C2-29F4-41A1-A63B-46891FD80DE3}" destId="{9AEB113C-D24A-4CEF-8E67-65DA6CAEA34F}" srcOrd="0" destOrd="0" presId="urn:microsoft.com/office/officeart/2018/2/layout/IconVerticalSolidList"/>
     <dgm:cxn modelId="{6E21E41E-4718-4AAD-A762-AA44BD8A1C4C}" type="presOf" srcId="{B20F7297-8579-4630-815F-BCDCBC0B8D0E}" destId="{FFDBDE5E-B54C-4FDF-978C-4037F8A9197B}" srcOrd="0" destOrd="0" presId="urn:microsoft.com/office/officeart/2018/2/layout/IconVerticalSolidList"/>
+    <dgm:cxn modelId="{BE1A955B-4D32-4D2B-8445-3B02C456CC06}" srcId="{F4BD7DED-F7AE-4525-BDA2-F8D2272CD2F6}" destId="{924FB1E1-0CE7-4565-A47E-E3E1B64E5FB6}" srcOrd="0" destOrd="0" parTransId="{1111A2D4-3718-4078-A554-CBBD52B6AE6E}" sibTransId="{7228D34C-EC3F-435D-8509-67F9CC15D3A0}"/>
     <dgm:cxn modelId="{C86FCB56-513F-42AA-95B5-1E6BEA54BC93}" type="presOf" srcId="{924FB1E1-0CE7-4565-A47E-E3E1B64E5FB6}" destId="{D1A8C314-4D03-4F98-89F6-4F80FBFD6A22}" srcOrd="0" destOrd="0" presId="urn:microsoft.com/office/officeart/2018/2/layout/IconVerticalSolidList"/>
-    <dgm:cxn modelId="{BE1A955B-4D32-4D2B-8445-3B02C456CC06}" srcId="{F4BD7DED-F7AE-4525-BDA2-F8D2272CD2F6}" destId="{924FB1E1-0CE7-4565-A47E-E3E1B64E5FB6}" srcOrd="0" destOrd="0" parTransId="{1111A2D4-3718-4078-A554-CBBD52B6AE6E}" sibTransId="{7228D34C-EC3F-435D-8509-67F9CC15D3A0}"/>
     <dgm:cxn modelId="{AAD62F7E-52F4-4C7D-BBA5-33FA27458FBF}" srcId="{F4BD7DED-F7AE-4525-BDA2-F8D2272CD2F6}" destId="{79E1C5C2-29F4-41A1-A63B-46891FD80DE3}" srcOrd="1" destOrd="0" parTransId="{0CB1BC3F-9FA3-47B0-8156-2457E7370A99}" sibTransId="{6601B9AF-4BBA-4F04-BE74-E2F13CB5D713}"/>
     <dgm:cxn modelId="{A9676DCD-59DD-4760-AE68-780E96795C99}" type="presOf" srcId="{F4BD7DED-F7AE-4525-BDA2-F8D2272CD2F6}" destId="{B3DE3894-9B57-4C0B-9B12-8D68DD375C8B}" srcOrd="0" destOrd="0" presId="urn:microsoft.com/office/officeart/2018/2/layout/IconVerticalSolidList"/>
     <dgm:cxn modelId="{FEDEF0E6-B652-4C55-9B54-98B558830C12}" srcId="{F4BD7DED-F7AE-4525-BDA2-F8D2272CD2F6}" destId="{B20F7297-8579-4630-815F-BCDCBC0B8D0E}" srcOrd="2" destOrd="0" parTransId="{CA418853-A1E0-472C-B5CF-5266344400CA}" sibTransId="{8C5AEF2D-7BBE-4A4D-B542-ECCDD537FD75}"/>
@@ -9691,15 +9789,15 @@
       <dsp:cNvGrpSpPr/>
     </dsp:nvGrpSpPr>
     <dsp:grpSpPr/>
-    <dsp:sp modelId="{B90D622F-4847-5645-A4AF-ECA07DBF00B6}">
+    <dsp:sp modelId="{7A3E8396-7CB1-4439-B00E-555E49B3BEFE}">
       <dsp:nvSpPr>
         <dsp:cNvPr id="0" name=""/>
         <dsp:cNvSpPr/>
       </dsp:nvSpPr>
       <dsp:spPr>
         <a:xfrm>
-          <a:off x="0" y="4252987"/>
-          <a:ext cx="6797675" cy="1395925"/>
+          <a:off x="0" y="4634152"/>
+          <a:ext cx="6797675" cy="1013839"/>
         </a:xfrm>
         <a:prstGeom prst="rect">
           <a:avLst/>
@@ -9740,12 +9838,12 @@
         </a:fontRef>
       </dsp:style>
       <dsp:txBody>
-        <a:bodyPr spcFirstLastPara="0" vert="horz" wrap="square" lIns="142240" tIns="142240" rIns="142240" bIns="142240" numCol="1" spcCol="1270" anchor="ctr" anchorCtr="0">
+        <a:bodyPr spcFirstLastPara="0" vert="horz" wrap="square" lIns="170688" tIns="170688" rIns="170688" bIns="170688" numCol="1" spcCol="1270" anchor="ctr" anchorCtr="0">
           <a:noAutofit/>
         </a:bodyPr>
         <a:lstStyle/>
         <a:p>
-          <a:pPr marL="0" lvl="0" indent="0" algn="ctr" defTabSz="889000">
+          <a:pPr marL="0" lvl="0" indent="0" algn="ctr" defTabSz="1066800">
             <a:lnSpc>
               <a:spcPct val="90000"/>
             </a:lnSpc>
@@ -9758,34 +9856,34 @@
             <a:buNone/>
           </a:pPr>
           <a:r>
-            <a:rPr lang="en-US" sz="2000" kern="1200" dirty="0"/>
-            <a:t>In DOM-based XSS, the malicious JavaScript is executed at some point after the page has loaded, as a result of the page's legitimate JavaScript treating user input in an unsafe way.</a:t>
+            <a:rPr lang="en-AU" sz="2400" kern="1200" dirty="0"/>
+            <a:t>Browser executes the malicious script, sending the victim’s cookies to the attacker’s server </a:t>
           </a:r>
         </a:p>
       </dsp:txBody>
       <dsp:txXfrm>
-        <a:off x="0" y="4252987"/>
-        <a:ext cx="6797675" cy="1395925"/>
+        <a:off x="0" y="4634152"/>
+        <a:ext cx="6797675" cy="1013839"/>
       </dsp:txXfrm>
     </dsp:sp>
-    <dsp:sp modelId="{D40AE2B8-058F-104D-94BC-ECD0F194CBAF}">
+    <dsp:sp modelId="{D84FC2CC-47E9-4DA0-80ED-60BF8347DBF5}">
       <dsp:nvSpPr>
         <dsp:cNvPr id="0" name=""/>
         <dsp:cNvSpPr/>
       </dsp:nvSpPr>
       <dsp:spPr>
         <a:xfrm rot="10800000">
-          <a:off x="0" y="2126993"/>
-          <a:ext cx="6797675" cy="2146933"/>
+          <a:off x="0" y="3090074"/>
+          <a:ext cx="6797675" cy="1559284"/>
         </a:xfrm>
         <a:prstGeom prst="upArrowCallout">
           <a:avLst/>
         </a:prstGeom>
         <a:solidFill>
           <a:schemeClr val="accent2">
-            <a:hueOff val="747984"/>
-            <a:satOff val="-213"/>
-            <a:lumOff val="3922"/>
+            <a:hueOff val="498656"/>
+            <a:satOff val="-142"/>
+            <a:lumOff val="2614"/>
             <a:alphaOff val="0"/>
           </a:schemeClr>
         </a:solidFill>
@@ -9817,12 +9915,12 @@
         </a:fontRef>
       </dsp:style>
       <dsp:txBody>
-        <a:bodyPr spcFirstLastPara="0" vert="horz" wrap="square" lIns="142240" tIns="142240" rIns="142240" bIns="142240" numCol="1" spcCol="1270" anchor="ctr" anchorCtr="0">
+        <a:bodyPr spcFirstLastPara="0" vert="horz" wrap="square" lIns="170688" tIns="170688" rIns="170688" bIns="170688" numCol="1" spcCol="1270" anchor="ctr" anchorCtr="0">
           <a:noAutofit/>
         </a:bodyPr>
         <a:lstStyle/>
         <a:p>
-          <a:pPr marL="0" lvl="0" indent="0" algn="ctr" defTabSz="889000">
+          <a:pPr marL="0" lvl="0" indent="0" algn="ctr" defTabSz="1066800">
             <a:lnSpc>
               <a:spcPct val="90000"/>
             </a:lnSpc>
@@ -9835,14 +9933,14 @@
             <a:buNone/>
           </a:pPr>
           <a:r>
-            <a:rPr lang="en-US" sz="2000" kern="1200"/>
-            <a:t>Additional HTML is inserted and alter on parsed by the browser </a:t>
+            <a:rPr lang="en-US" sz="2400" kern="1200" dirty="0"/>
+            <a:t>Victim’s browsers parses the response, causing the malicious script to be inserted into the page </a:t>
           </a:r>
         </a:p>
       </dsp:txBody>
       <dsp:txXfrm rot="10800000">
-        <a:off x="0" y="2126993"/>
-        <a:ext cx="6797675" cy="1395013"/>
+        <a:off x="0" y="3090074"/>
+        <a:ext cx="6797675" cy="1013176"/>
       </dsp:txXfrm>
     </dsp:sp>
     <dsp:sp modelId="{C8DEDA1D-CF5E-464E-95BE-4C49F28A1603}">
@@ -9852,8 +9950,85 @@
       </dsp:nvSpPr>
       <dsp:spPr>
         <a:xfrm rot="10800000">
-          <a:off x="0" y="998"/>
-          <a:ext cx="6797675" cy="2146933"/>
+          <a:off x="0" y="1487025"/>
+          <a:ext cx="6797675" cy="1559284"/>
+        </a:xfrm>
+        <a:prstGeom prst="upArrowCallout">
+          <a:avLst/>
+        </a:prstGeom>
+        <a:solidFill>
+          <a:schemeClr val="accent2">
+            <a:hueOff val="997311"/>
+            <a:satOff val="-284"/>
+            <a:lumOff val="5229"/>
+            <a:alphaOff val="0"/>
+          </a:schemeClr>
+        </a:solidFill>
+        <a:ln w="15875" cap="flat" cmpd="sng" algn="ctr">
+          <a:solidFill>
+            <a:schemeClr val="lt1">
+              <a:hueOff val="0"/>
+              <a:satOff val="0"/>
+              <a:lumOff val="0"/>
+              <a:alphaOff val="0"/>
+            </a:schemeClr>
+          </a:solidFill>
+          <a:prstDash val="solid"/>
+        </a:ln>
+        <a:effectLst/>
+      </dsp:spPr>
+      <dsp:style>
+        <a:lnRef idx="2">
+          <a:scrgbClr r="0" g="0" b="0"/>
+        </a:lnRef>
+        <a:fillRef idx="1">
+          <a:scrgbClr r="0" g="0" b="0"/>
+        </a:fillRef>
+        <a:effectRef idx="0">
+          <a:scrgbClr r="0" g="0" b="0"/>
+        </a:effectRef>
+        <a:fontRef idx="minor">
+          <a:schemeClr val="lt1"/>
+        </a:fontRef>
+      </dsp:style>
+      <dsp:txBody>
+        <a:bodyPr spcFirstLastPara="0" vert="horz" wrap="square" lIns="170688" tIns="170688" rIns="170688" bIns="170688" numCol="1" spcCol="1270" anchor="ctr" anchorCtr="0">
+          <a:noAutofit/>
+        </a:bodyPr>
+        <a:lstStyle/>
+        <a:p>
+          <a:pPr marL="0" lvl="0" indent="0" algn="ctr" defTabSz="1066800">
+            <a:lnSpc>
+              <a:spcPct val="90000"/>
+            </a:lnSpc>
+            <a:spcBef>
+              <a:spcPct val="0"/>
+            </a:spcBef>
+            <a:spcAft>
+              <a:spcPct val="35000"/>
+            </a:spcAft>
+            <a:buNone/>
+          </a:pPr>
+          <a:r>
+            <a:rPr lang="en-US" sz="2400" kern="1200" dirty="0"/>
+            <a:t>Website receives request and responds </a:t>
+          </a:r>
+        </a:p>
+      </dsp:txBody>
+      <dsp:txXfrm rot="10800000">
+        <a:off x="0" y="1487025"/>
+        <a:ext cx="6797675" cy="1013176"/>
+      </dsp:txXfrm>
+    </dsp:sp>
+    <dsp:sp modelId="{C9B417CE-40EC-441E-86D5-F8B898010A3D}">
+      <dsp:nvSpPr>
+        <dsp:cNvPr id="0" name=""/>
+        <dsp:cNvSpPr/>
+      </dsp:nvSpPr>
+      <dsp:spPr>
+        <a:xfrm rot="10800000">
+          <a:off x="0" y="0"/>
+          <a:ext cx="6797675" cy="1559284"/>
         </a:xfrm>
         <a:prstGeom prst="upArrowCallout">
           <a:avLst/>
@@ -9894,12 +10069,12 @@
         </a:fontRef>
       </dsp:style>
       <dsp:txBody>
-        <a:bodyPr spcFirstLastPara="0" vert="horz" wrap="square" lIns="142240" tIns="142240" rIns="142240" bIns="142240" numCol="1" spcCol="1270" anchor="ctr" anchorCtr="0">
+        <a:bodyPr spcFirstLastPara="0" vert="horz" wrap="square" lIns="170688" tIns="170688" rIns="170688" bIns="170688" numCol="1" spcCol="1270" anchor="ctr" anchorCtr="0">
           <a:noAutofit/>
         </a:bodyPr>
         <a:lstStyle/>
         <a:p>
-          <a:pPr marL="0" lvl="0" indent="0" algn="ctr" defTabSz="889000">
+          <a:pPr marL="0" lvl="0" indent="0" algn="ctr" defTabSz="1066800">
             <a:lnSpc>
               <a:spcPct val="90000"/>
             </a:lnSpc>
@@ -9912,14 +10087,14 @@
             <a:buNone/>
           </a:pPr>
           <a:r>
-            <a:rPr lang="en-US" sz="2000" kern="1200" dirty="0"/>
-            <a:t>No malicious script inserted part of the page; </a:t>
+            <a:rPr lang="en-AU" sz="2400" kern="1200" dirty="0"/>
+            <a:t>Attacker initiates attack usually through social engineering</a:t>
           </a:r>
         </a:p>
       </dsp:txBody>
       <dsp:txXfrm rot="10800000">
-        <a:off x="0" y="998"/>
-        <a:ext cx="6797675" cy="1395013"/>
+        <a:off x="0" y="0"/>
+        <a:ext cx="6797675" cy="1013176"/>
       </dsp:txXfrm>
     </dsp:sp>
   </dsp:spTree>
@@ -10263,7 +10438,7 @@
       </dsp:nvSpPr>
       <dsp:spPr>
         <a:xfrm>
-          <a:off x="0" y="462"/>
+          <a:off x="0" y="0"/>
           <a:ext cx="10058399" cy="1081473"/>
         </a:xfrm>
         <a:prstGeom prst="roundRect">
@@ -10405,11 +10580,24 @@
           </a:br>
           <a:r>
             <a:rPr lang="en-US" sz="2100" kern="1200" dirty="0">
-              <a:hlinkClick xmlns:r="http://schemas.openxmlformats.org/officeDocument/2006/relationships" r:id="rId3"/>
+              <a:solidFill>
+                <a:schemeClr val="accent2"/>
+              </a:solidFill>
+              <a:hlinkClick xmlns:r="http://schemas.openxmlformats.org/officeDocument/2006/relationships" r:id="rId3">
+                <a:extLst>
+                  <a:ext uri="{A12FA001-AC4F-418D-AE19-62706E023703}">
+                    <ahyp:hlinkClr xmlns:ahyp="http://schemas.microsoft.com/office/drawing/2018/hyperlinkcolor" val="tx"/>
+                  </a:ext>
+                </a:extLst>
+              </a:hlinkClick>
             </a:rPr>
             <a:t>https://xss-game.appspot.com/</a:t>
           </a:r>
-          <a:endParaRPr lang="en-US" sz="2100" kern="1200" dirty="0"/>
+          <a:endParaRPr lang="en-US" sz="2100" kern="1200" dirty="0">
+            <a:solidFill>
+              <a:schemeClr val="accent2"/>
+            </a:solidFill>
+          </a:endParaRPr>
         </a:p>
       </dsp:txBody>
       <dsp:txXfrm>
@@ -10558,19 +10746,32 @@
             <a:buNone/>
           </a:pPr>
           <a:r>
-            <a:rPr lang="en-US" sz="2100" kern="1200"/>
+            <a:rPr lang="en-US" sz="2100" kern="1200" dirty="0"/>
             <a:t>Helpful starting XSS &amp; JavaScript starter guide: </a:t>
           </a:r>
           <a:br>
-            <a:rPr lang="en-US" sz="2100" kern="1200"/>
+            <a:rPr lang="en-US" sz="2100" kern="1200" dirty="0"/>
           </a:br>
           <a:r>
-            <a:rPr lang="en-US" sz="2100" kern="1200">
-              <a:hlinkClick xmlns:r="http://schemas.openxmlformats.org/officeDocument/2006/relationships" r:id="rId6"/>
+            <a:rPr lang="en-US" sz="2100" kern="1200" dirty="0">
+              <a:solidFill>
+                <a:schemeClr val="accent2"/>
+              </a:solidFill>
+              <a:hlinkClick xmlns:r="http://schemas.openxmlformats.org/officeDocument/2006/relationships" r:id="rId6">
+                <a:extLst>
+                  <a:ext uri="{A12FA001-AC4F-418D-AE19-62706E023703}">
+                    <ahyp:hlinkClr xmlns:ahyp="http://schemas.microsoft.com/office/drawing/2018/hyperlinkcolor" val="tx"/>
+                  </a:ext>
+                </a:extLst>
+              </a:hlinkClick>
             </a:rPr>
             <a:t>http://securityidiots.com/Web-Pentest/XSS/xss.series-by-securityidiots.html</a:t>
           </a:r>
-          <a:endParaRPr lang="en-US" sz="2100" kern="1200"/>
+          <a:endParaRPr lang="en-US" sz="2100" kern="1200" dirty="0">
+            <a:solidFill>
+              <a:schemeClr val="accent2"/>
+            </a:solidFill>
+          </a:endParaRPr>
         </a:p>
       </dsp:txBody>
       <dsp:txXfrm>
@@ -10719,13 +10920,32 @@
             <a:buNone/>
           </a:pPr>
           <a:r>
-            <a:rPr lang="en-US" sz="2100" kern="1200"/>
+            <a:rPr lang="en-US" sz="2100" kern="1200" dirty="0"/>
             <a:t>Workshop slides and more resources: </a:t>
           </a:r>
           <a:br>
-            <a:rPr lang="en-US" sz="2100" kern="1200"/>
+            <a:rPr lang="en-US" sz="2100" kern="1200" dirty="0"/>
           </a:br>
-          <a:endParaRPr lang="en-US" sz="2100" kern="1200"/>
+          <a:r>
+            <a:rPr lang="en-AU" sz="2100" u="sng" kern="1200" dirty="0">
+              <a:solidFill>
+                <a:schemeClr val="accent2"/>
+              </a:solidFill>
+              <a:hlinkClick xmlns:r="http://schemas.openxmlformats.org/officeDocument/2006/relationships" r:id="rId9">
+                <a:extLst>
+                  <a:ext uri="{A12FA001-AC4F-418D-AE19-62706E023703}">
+                    <ahyp:hlinkClr xmlns:ahyp="http://schemas.microsoft.com/office/drawing/2018/hyperlinkcolor" val="tx"/>
+                  </a:ext>
+                </a:extLst>
+              </a:hlinkClick>
+            </a:rPr>
+            <a:t>https://github.com/umisc/workshops/tree/master/XSS</a:t>
+          </a:r>
+          <a:endParaRPr lang="en-US" sz="2100" u="sng" kern="1200" dirty="0">
+            <a:solidFill>
+              <a:schemeClr val="accent2"/>
+            </a:solidFill>
+          </a:endParaRPr>
         </a:p>
       </dsp:txBody>
       <dsp:txXfrm>
@@ -20429,7 +20649,7 @@
           <a:p>
             <a:fld id="{9184DA70-C731-4C70-880D-CCD4705E623C}" type="datetime1">
               <a:rPr lang="en-US" smtClean="0"/>
-              <a:t>8/27/19</a:t>
+              <a:t>8/28/2019</a:t>
             </a:fld>
             <a:endParaRPr lang="en-US" dirty="0"/>
           </a:p>
@@ -20617,7 +20837,7 @@
           <a:p>
             <a:fld id="{B612A279-0833-481D-8C56-F67FD0AC6C50}" type="datetime1">
               <a:rPr lang="en-US" smtClean="0"/>
-              <a:t>8/27/19</a:t>
+              <a:t>8/28/2019</a:t>
             </a:fld>
             <a:endParaRPr lang="en-US" dirty="0"/>
           </a:p>
@@ -20859,7 +21079,7 @@
           <a:p>
             <a:fld id="{6587DA83-5663-4C9C-B9AA-0B40A3DAFF81}" type="datetime1">
               <a:rPr lang="en-US" smtClean="0"/>
-              <a:t>8/27/19</a:t>
+              <a:t>8/28/2019</a:t>
             </a:fld>
             <a:endParaRPr lang="en-US" dirty="0"/>
           </a:p>
@@ -21047,7 +21267,7 @@
           <a:p>
             <a:fld id="{4BE1D723-8F53-4F53-90B0-1982A396982E}" type="datetime1">
               <a:rPr lang="en-US" smtClean="0"/>
-              <a:t>8/27/19</a:t>
+              <a:t>8/28/2019</a:t>
             </a:fld>
             <a:endParaRPr lang="en-US" dirty="0"/>
           </a:p>
@@ -21420,7 +21640,7 @@
           <a:p>
             <a:fld id="{97669AF7-7BEB-44E4-9852-375E34362B5B}" type="datetime1">
               <a:rPr lang="en-US" smtClean="0"/>
-              <a:t>8/27/19</a:t>
+              <a:t>8/28/2019</a:t>
             </a:fld>
             <a:endParaRPr lang="en-US" dirty="0"/>
           </a:p>
@@ -21675,7 +21895,7 @@
           <a:p>
             <a:fld id="{BAAAC38D-0552-4C82-B593-E6124DFADBE2}" type="datetime1">
               <a:rPr lang="en-US" smtClean="0"/>
-              <a:t>8/27/19</a:t>
+              <a:t>8/28/2019</a:t>
             </a:fld>
             <a:endParaRPr lang="en-US" dirty="0"/>
           </a:p>
@@ -22072,7 +22292,7 @@
           <a:p>
             <a:fld id="{D9DF0F1C-5577-4ACB-BB62-DF8F3C494C7E}" type="datetime1">
               <a:rPr lang="en-US" smtClean="0"/>
-              <a:t>8/27/19</a:t>
+              <a:t>8/28/2019</a:t>
             </a:fld>
             <a:endParaRPr lang="en-US" dirty="0"/>
           </a:p>
@@ -22208,7 +22428,7 @@
           <a:p>
             <a:fld id="{1775B394-D9F9-4F0C-B15D-605F45CB9E9F}" type="datetime1">
               <a:rPr lang="en-US" smtClean="0"/>
-              <a:t>8/27/19</a:t>
+              <a:t>8/28/2019</a:t>
             </a:fld>
             <a:endParaRPr lang="en-US" dirty="0"/>
           </a:p>
@@ -22365,7 +22585,7 @@
           <a:p>
             <a:fld id="{39667345-2558-425A-8533-9BFDBCE15005}" type="datetime1">
               <a:rPr lang="en-US" smtClean="0"/>
-              <a:t>8/27/19</a:t>
+              <a:t>8/28/2019</a:t>
             </a:fld>
             <a:endParaRPr lang="en-US" dirty="0"/>
           </a:p>
@@ -22694,7 +22914,7 @@
           <a:p>
             <a:fld id="{92BEA474-078D-4E9B-9B14-09A87B19DC46}" type="datetime1">
               <a:rPr lang="en-US" smtClean="0"/>
-              <a:t>8/27/19</a:t>
+              <a:t>8/28/2019</a:t>
             </a:fld>
             <a:endParaRPr lang="en-US" dirty="0"/>
           </a:p>
@@ -23044,7 +23264,7 @@
           <a:p>
             <a:fld id="{4907D986-8816-4272-A432-0437A28A9828}" type="datetime1">
               <a:rPr lang="en-US" smtClean="0"/>
-              <a:t>8/27/19</a:t>
+              <a:t>8/28/2019</a:t>
             </a:fld>
             <a:endParaRPr lang="en-US" dirty="0"/>
           </a:p>
@@ -23305,7 +23525,7 @@
           <a:p>
             <a:fld id="{62D6E202-B606-4609-B914-27C9371A1F6D}" type="datetime1">
               <a:rPr lang="en-US" smtClean="0"/>
-              <a:t>8/27/19</a:t>
+              <a:t>8/28/2019</a:t>
             </a:fld>
             <a:endParaRPr lang="en-US" dirty="0"/>
           </a:p>
@@ -24727,7 +24947,7 @@
             <p:ph idx="1"/>
             <p:extLst>
               <p:ext uri="{D42A27DB-BD31-4B8C-83A1-F6EECF244321}">
-                <p14:modId xmlns:p14="http://schemas.microsoft.com/office/powerpoint/2010/main" val="1292259344"/>
+                <p14:modId xmlns:p14="http://schemas.microsoft.com/office/powerpoint/2010/main" val="1573362427"/>
               </p:ext>
             </p:extLst>
           </p:nvPr>
@@ -25118,7 +25338,7 @@
         </p:nvSpPr>
         <p:spPr>
           <a:xfrm>
-            <a:off x="1097280" y="286603"/>
+            <a:off x="1178560" y="286603"/>
             <a:ext cx="10058400" cy="1450757"/>
           </a:xfrm>
         </p:spPr>
@@ -25151,7 +25371,7 @@
             <p:ph idx="1"/>
             <p:extLst>
               <p:ext uri="{D42A27DB-BD31-4B8C-83A1-F6EECF244321}">
-                <p14:modId xmlns:p14="http://schemas.microsoft.com/office/powerpoint/2010/main" val="4077547481"/>
+                <p14:modId xmlns:p14="http://schemas.microsoft.com/office/powerpoint/2010/main" val="2230172205"/>
               </p:ext>
             </p:extLst>
           </p:nvPr>
